--- a/slides/nand2tetris/07.pptx
+++ b/slides/nand2tetris/07.pptx
@@ -5,7 +5,7 @@
     <p:sldMasterId id="2147483648" r:id="rId1"/>
   </p:sldMasterIdLst>
   <p:notesMasterIdLst>
-    <p:notesMasterId r:id="rId19"/>
+    <p:notesMasterId r:id="rId20"/>
   </p:notesMasterIdLst>
   <p:sldIdLst>
     <p:sldId id="256" r:id="rId2"/>
@@ -23,8 +23,9 @@
     <p:sldId id="292" r:id="rId14"/>
     <p:sldId id="293" r:id="rId15"/>
     <p:sldId id="295" r:id="rId16"/>
-    <p:sldId id="287" r:id="rId17"/>
-    <p:sldId id="294" r:id="rId18"/>
+    <p:sldId id="296" r:id="rId17"/>
+    <p:sldId id="287" r:id="rId18"/>
+    <p:sldId id="294" r:id="rId19"/>
   </p:sldIdLst>
   <p:sldSz cx="12192000" cy="6858000"/>
   <p:notesSz cx="6858000" cy="9144000"/>
@@ -10824,8 +10825,28 @@
               <a:rPr lang="ja-JP" altLang="en-US" sz="2400"/>
               <a:t>のセグメントの対応を行う</a:t>
             </a:r>
-            <a:r>
-              <a:rPr lang="en-US" altLang="ja-JP" sz="2400" dirty="0"/>
+            <a:endParaRPr lang="en-US" altLang="ja-JP" sz="2400" dirty="0"/>
+          </a:p>
+          <a:p>
+            <a:pPr lvl="1"/>
+            <a:r>
+              <a:rPr lang="en-US" altLang="ja-JP" sz="2200" dirty="0"/>
+              <a:t>P145 </a:t>
+            </a:r>
+            <a:r>
+              <a:rPr lang="ja-JP" altLang="en-US" sz="2200"/>
+              <a:t>と </a:t>
+            </a:r>
+            <a:r>
+              <a:rPr lang="en-US" altLang="ja-JP" sz="2200" dirty="0"/>
+              <a:t>P156 </a:t>
+            </a:r>
+            <a:r>
+              <a:rPr lang="ja-JP" altLang="en-US" sz="2200"/>
+              <a:t>を参照すること</a:t>
+            </a:r>
+            <a:r>
+              <a:rPr lang="en-US" altLang="ja-JP" sz="2200" dirty="0"/>
               <a:t> </a:t>
             </a:r>
           </a:p>
@@ -10976,7 +10997,7 @@
         </p:blipFill>
         <p:spPr>
           <a:xfrm>
-            <a:off x="1167588" y="1650671"/>
+            <a:off x="1193762" y="2185647"/>
             <a:ext cx="4186023" cy="3369386"/>
           </a:xfrm>
           <a:prstGeom prst="rect">
@@ -10998,7 +11019,7 @@
         </p:nvSpPr>
         <p:spPr>
           <a:xfrm>
-            <a:off x="1193762" y="1901931"/>
+            <a:off x="1219936" y="2436907"/>
             <a:ext cx="4082326" cy="588611"/>
           </a:xfrm>
           <a:prstGeom prst="rect">
@@ -11050,7 +11071,7 @@
         </p:nvSpPr>
         <p:spPr>
           <a:xfrm>
-            <a:off x="1193762" y="3291618"/>
+            <a:off x="1219936" y="3826594"/>
             <a:ext cx="4082326" cy="548862"/>
           </a:xfrm>
           <a:prstGeom prst="rect">
@@ -11102,7 +11123,7 @@
         </p:nvSpPr>
         <p:spPr>
           <a:xfrm>
-            <a:off x="5954477" y="1650671"/>
+            <a:off x="5980651" y="2185647"/>
             <a:ext cx="4204869" cy="738664"/>
           </a:xfrm>
           <a:prstGeom prst="rect">
@@ -11168,7 +11189,7 @@
         </p:nvCxnSpPr>
         <p:spPr>
           <a:xfrm rot="10800000" flipV="1">
-            <a:off x="5276089" y="2020003"/>
+            <a:off x="5302263" y="2554979"/>
             <a:ext cx="678389" cy="1546046"/>
           </a:xfrm>
           <a:prstGeom prst="curvedConnector3">
@@ -11213,8 +11234,8 @@
         </p:nvSpPr>
         <p:spPr>
           <a:xfrm>
-            <a:off x="5954477" y="5066268"/>
-            <a:ext cx="2688557" cy="738664"/>
+            <a:off x="5993739" y="4753026"/>
+            <a:ext cx="3406702" cy="738664"/>
           </a:xfrm>
           <a:prstGeom prst="rect">
             <a:avLst/>
@@ -11261,7 +11282,7 @@
             </a:r>
             <a:r>
               <a:rPr kumimoji="1" lang="ja-JP" altLang="en-US" sz="1400"/>
-              <a:t>に対応する</a:t>
+              <a:t>にそれぞれ対応する</a:t>
             </a:r>
             <a:br>
               <a:rPr kumimoji="1" lang="en-US" altLang="ja-JP" sz="1400" dirty="0"/>
@@ -11292,7 +11313,7 @@
         </p:nvCxnSpPr>
         <p:spPr>
           <a:xfrm rot="10800000" flipV="1">
-            <a:off x="5276089" y="2020003"/>
+            <a:off x="5302263" y="2554979"/>
             <a:ext cx="678389" cy="176234"/>
           </a:xfrm>
           <a:prstGeom prst="curvedConnector3">
@@ -11337,7 +11358,7 @@
         </p:nvSpPr>
         <p:spPr>
           <a:xfrm>
-            <a:off x="1193762" y="3877442"/>
+            <a:off x="1219936" y="4412418"/>
             <a:ext cx="4082326" cy="1120129"/>
           </a:xfrm>
           <a:prstGeom prst="rect">
@@ -11393,8 +11414,8 @@
         </p:nvCxnSpPr>
         <p:spPr>
           <a:xfrm rot="10800000">
-            <a:off x="5276089" y="4437508"/>
-            <a:ext cx="678389" cy="998093"/>
+            <a:off x="5302263" y="4972484"/>
+            <a:ext cx="691477" cy="149875"/>
           </a:xfrm>
           <a:prstGeom prst="curvedConnector3">
             <a:avLst/>
@@ -11432,7 +11453,7 @@
         </p:nvSpPr>
         <p:spPr>
           <a:xfrm>
-            <a:off x="1180676" y="2527505"/>
+            <a:off x="1206850" y="3062481"/>
             <a:ext cx="4082326" cy="404117"/>
           </a:xfrm>
           <a:prstGeom prst="rect">
@@ -11484,8 +11505,8 @@
         </p:nvSpPr>
         <p:spPr>
           <a:xfrm>
-            <a:off x="5967565" y="2734399"/>
-            <a:ext cx="3042821" cy="738664"/>
+            <a:off x="5993739" y="3269375"/>
+            <a:ext cx="3129383" cy="738664"/>
           </a:xfrm>
           <a:prstGeom prst="rect">
             <a:avLst/>
@@ -11505,7 +11526,7 @@
           <a:p>
             <a:r>
               <a:rPr kumimoji="1" lang="en-US" altLang="ja-JP" sz="1400" dirty="0" err="1"/>
-              <a:t>Xxx.Vm</a:t>
+              <a:t>Xxx.vm</a:t>
             </a:r>
             <a:r>
               <a:rPr kumimoji="1" lang="en-US" altLang="ja-JP" sz="1400" dirty="0"/>
@@ -11549,6 +11570,19 @@
               <a:rPr kumimoji="1" lang="ja-JP" altLang="en-US" sz="1400"/>
               <a:t>トリッキー</a:t>
             </a:r>
+            <a:r>
+              <a:rPr kumimoji="1" lang="en-US" altLang="ja-JP" sz="1400" dirty="0"/>
+              <a:t>(</a:t>
+            </a:r>
+            <a:r>
+              <a:rPr kumimoji="1" lang="ja-JP" altLang="en-US" sz="1400"/>
+              <a:t>本文</a:t>
+            </a:r>
+            <a:r>
+              <a:rPr kumimoji="1" lang="en-US" altLang="ja-JP" sz="1400" dirty="0"/>
+              <a:t>)</a:t>
+            </a:r>
+            <a:endParaRPr kumimoji="1" lang="ja-JP" altLang="en-US" sz="1400"/>
           </a:p>
         </p:txBody>
       </p:sp>
@@ -11569,7 +11603,7 @@
         </p:nvCxnSpPr>
         <p:spPr>
           <a:xfrm rot="10800000">
-            <a:off x="5263003" y="2729565"/>
+            <a:off x="5289177" y="3264541"/>
             <a:ext cx="704563" cy="374167"/>
           </a:xfrm>
           <a:prstGeom prst="curvedConnector3">
@@ -11720,8 +11754,13 @@
           <a:p>
             <a:r>
               <a:rPr kumimoji="1" lang="ja-JP" altLang="en-US"/>
-              <a:t>終わり</a:t>
-            </a:r>
+              <a:t>実装 </a:t>
+            </a:r>
+            <a:r>
+              <a:rPr lang="en-US" altLang="ja-JP" dirty="0" err="1"/>
+              <a:t>MemoryAccess</a:t>
+            </a:r>
+            <a:endParaRPr kumimoji="1" lang="ja-JP" altLang="en-US"/>
           </a:p>
         </p:txBody>
       </p:sp>
@@ -11811,62 +11850,45 @@
           </a:bodyPr>
           <a:lstStyle/>
           <a:p>
-            <a:pPr lvl="1"/>
-            <a:r>
-              <a:rPr lang="ja-JP" altLang="en-US" sz="2400">
-                <a:solidFill>
-                  <a:schemeClr val="tx1"/>
-                </a:solidFill>
-              </a:rPr>
-              <a:t>お疲れさまでした。</a:t>
-            </a:r>
-            <a:endParaRPr lang="en-US" altLang="ja-JP" sz="2400" dirty="0">
-              <a:solidFill>
-                <a:schemeClr val="tx1"/>
-              </a:solidFill>
-            </a:endParaRPr>
-          </a:p>
-          <a:p>
-            <a:pPr lvl="1"/>
-            <a:r>
-              <a:rPr lang="ja-JP" altLang="en-US" sz="2400">
-                <a:solidFill>
-                  <a:schemeClr val="tx1"/>
-                </a:solidFill>
-              </a:rPr>
-              <a:t>一応実装はこちらに</a:t>
-            </a:r>
-            <a:endParaRPr lang="en-US" altLang="ja-JP" sz="2400" dirty="0">
-              <a:solidFill>
-                <a:schemeClr val="tx1"/>
-              </a:solidFill>
-            </a:endParaRPr>
-          </a:p>
-          <a:p>
-            <a:pPr lvl="2"/>
-            <a:r>
-              <a:rPr lang="en" altLang="ja-JP" sz="2400" dirty="0">
-                <a:hlinkClick r:id="rId2"/>
-              </a:rPr>
-              <a:t>https://github.com/lulichn/nand2tetris/tree/master/src/VMtranslator</a:t>
-            </a:r>
-            <a:endParaRPr lang="en" altLang="ja-JP" sz="2400" dirty="0"/>
-          </a:p>
-          <a:p>
-            <a:pPr lvl="2"/>
-            <a:r>
-              <a:rPr lang="ja-JP" altLang="en-US" sz="2200">
-                <a:solidFill>
-                  <a:schemeClr val="tx1"/>
-                </a:solidFill>
-              </a:rPr>
-              <a:t>汚くてすみません</a:t>
-            </a:r>
-            <a:endParaRPr lang="en-US" altLang="ja-JP" sz="2200" dirty="0">
-              <a:solidFill>
-                <a:schemeClr val="tx1"/>
-              </a:solidFill>
-            </a:endParaRPr>
+            <a:r>
+              <a:rPr lang="en-US" altLang="ja-JP" sz="2400" b="1" dirty="0"/>
+              <a:t>argument, local, this, that</a:t>
+            </a:r>
+            <a:endParaRPr lang="en-US" altLang="ja-JP" sz="2200" b="1" dirty="0"/>
+          </a:p>
+          <a:p>
+            <a:endParaRPr lang="en-US" altLang="ja-JP" sz="2400" b="1" dirty="0"/>
+          </a:p>
+          <a:p>
+            <a:endParaRPr lang="en-US" altLang="ja-JP" sz="2400" b="1" dirty="0"/>
+          </a:p>
+          <a:p>
+            <a:endParaRPr lang="en-US" altLang="ja-JP" sz="2400" b="1" dirty="0"/>
+          </a:p>
+          <a:p>
+            <a:r>
+              <a:rPr lang="en-US" altLang="ja-JP" sz="2400" b="1" dirty="0"/>
+              <a:t>pointer, temp</a:t>
+            </a:r>
+          </a:p>
+          <a:p>
+            <a:pPr marL="0" indent="0">
+              <a:buNone/>
+            </a:pPr>
+            <a:endParaRPr lang="en-US" altLang="ja-JP" sz="2400" b="1" dirty="0"/>
+          </a:p>
+          <a:p>
+            <a:pPr marL="0" indent="0">
+              <a:buNone/>
+            </a:pPr>
+            <a:endParaRPr lang="en-US" altLang="ja-JP" sz="2400" b="1" dirty="0"/>
+          </a:p>
+          <a:p>
+            <a:r>
+              <a:rPr lang="en-US" altLang="ja-JP" sz="2400" b="1" dirty="0"/>
+              <a:t>static</a:t>
+            </a:r>
+            <a:endParaRPr lang="ja-JP" altLang="en-US" sz="2400" b="1"/>
           </a:p>
         </p:txBody>
       </p:sp>
@@ -11993,6 +12015,825 @@
           </a:p>
         </p:txBody>
       </p:sp>
+      <p:sp>
+        <p:nvSpPr>
+          <p:cNvPr id="13" name="正方形/長方形 12">
+            <a:extLst>
+              <a:ext uri="{FF2B5EF4-FFF2-40B4-BE49-F238E27FC236}">
+                <a16:creationId xmlns:a16="http://schemas.microsoft.com/office/drawing/2014/main" id="{0AEB4548-DA38-4E47-9210-7C8F3B13A803}"/>
+              </a:ext>
+            </a:extLst>
+          </p:cNvPr>
+          <p:cNvSpPr/>
+          <p:nvPr/>
+        </p:nvSpPr>
+        <p:spPr>
+          <a:xfrm>
+            <a:off x="2132501" y="1631429"/>
+            <a:ext cx="2791192" cy="1437087"/>
+          </a:xfrm>
+          <a:prstGeom prst="rect">
+            <a:avLst/>
+          </a:prstGeom>
+          <a:solidFill>
+            <a:schemeClr val="accent2">
+              <a:lumMod val="20000"/>
+              <a:lumOff val="80000"/>
+            </a:schemeClr>
+          </a:solidFill>
+          <a:ln>
+            <a:noFill/>
+          </a:ln>
+        </p:spPr>
+        <p:style>
+          <a:lnRef idx="2">
+            <a:schemeClr val="accent1">
+              <a:shade val="50000"/>
+            </a:schemeClr>
+          </a:lnRef>
+          <a:fillRef idx="1">
+            <a:schemeClr val="accent1"/>
+          </a:fillRef>
+          <a:effectRef idx="0">
+            <a:schemeClr val="accent1"/>
+          </a:effectRef>
+          <a:fontRef idx="minor">
+            <a:schemeClr val="lt1"/>
+          </a:fontRef>
+        </p:style>
+        <p:txBody>
+          <a:bodyPr rtlCol="0" anchor="t"/>
+          <a:lstStyle/>
+          <a:p>
+            <a:r>
+              <a:rPr lang="en" altLang="ja-JP" sz="1200" dirty="0">
+                <a:solidFill>
+                  <a:schemeClr val="tx1"/>
+                </a:solidFill>
+                <a:latin typeface="Menlo" panose="020B0609030804020204" pitchFamily="49" charset="0"/>
+                <a:ea typeface="Menlo" panose="020B0609030804020204" pitchFamily="49" charset="0"/>
+                <a:cs typeface="Menlo" panose="020B0609030804020204" pitchFamily="49" charset="0"/>
+              </a:rPr>
+              <a:t>// push local x</a:t>
+            </a:r>
+          </a:p>
+          <a:p>
+            <a:r>
+              <a:rPr lang="en" altLang="ja-JP" sz="1400" dirty="0">
+                <a:solidFill>
+                  <a:schemeClr val="tx1"/>
+                </a:solidFill>
+                <a:latin typeface="Menlo" panose="020B0609030804020204" pitchFamily="49" charset="0"/>
+                <a:ea typeface="Menlo" panose="020B0609030804020204" pitchFamily="49" charset="0"/>
+                <a:cs typeface="Menlo" panose="020B0609030804020204" pitchFamily="49" charset="0"/>
+              </a:rPr>
+              <a:t>@x</a:t>
+            </a:r>
+          </a:p>
+          <a:p>
+            <a:r>
+              <a:rPr lang="en" altLang="ja-JP" sz="1400" dirty="0">
+                <a:solidFill>
+                  <a:schemeClr val="tx1"/>
+                </a:solidFill>
+                <a:latin typeface="Menlo" panose="020B0609030804020204" pitchFamily="49" charset="0"/>
+                <a:ea typeface="Menlo" panose="020B0609030804020204" pitchFamily="49" charset="0"/>
+                <a:cs typeface="Menlo" panose="020B0609030804020204" pitchFamily="49" charset="0"/>
+              </a:rPr>
+              <a:t>D=A</a:t>
+            </a:r>
+          </a:p>
+          <a:p>
+            <a:r>
+              <a:rPr lang="en" altLang="ja-JP" sz="1400" dirty="0">
+                <a:solidFill>
+                  <a:schemeClr val="tx1"/>
+                </a:solidFill>
+                <a:latin typeface="Menlo" panose="020B0609030804020204" pitchFamily="49" charset="0"/>
+                <a:ea typeface="Menlo" panose="020B0609030804020204" pitchFamily="49" charset="0"/>
+                <a:cs typeface="Menlo" panose="020B0609030804020204" pitchFamily="49" charset="0"/>
+              </a:rPr>
+              <a:t>@LCL</a:t>
+            </a:r>
+          </a:p>
+          <a:p>
+            <a:r>
+              <a:rPr lang="en" altLang="ja-JP" sz="1400" dirty="0">
+                <a:solidFill>
+                  <a:schemeClr val="tx1"/>
+                </a:solidFill>
+                <a:latin typeface="Menlo" panose="020B0609030804020204" pitchFamily="49" charset="0"/>
+                <a:ea typeface="Menlo" panose="020B0609030804020204" pitchFamily="49" charset="0"/>
+                <a:cs typeface="Menlo" panose="020B0609030804020204" pitchFamily="49" charset="0"/>
+              </a:rPr>
+              <a:t>A=M+D</a:t>
+            </a:r>
+            <a:r>
+              <a:rPr lang="en" altLang="ja-JP" sz="1200" dirty="0">
+                <a:solidFill>
+                  <a:schemeClr val="tx1"/>
+                </a:solidFill>
+                <a:latin typeface="Menlo" panose="020B0609030804020204" pitchFamily="49" charset="0"/>
+                <a:ea typeface="Menlo" panose="020B0609030804020204" pitchFamily="49" charset="0"/>
+                <a:cs typeface="Menlo" panose="020B0609030804020204" pitchFamily="49" charset="0"/>
+              </a:rPr>
+              <a:t> // </a:t>
+            </a:r>
+            <a:r>
+              <a:rPr lang="en" altLang="ja-JP" sz="1200" dirty="0" err="1">
+                <a:solidFill>
+                  <a:schemeClr val="tx1"/>
+                </a:solidFill>
+                <a:latin typeface="Menlo" panose="020B0609030804020204" pitchFamily="49" charset="0"/>
+                <a:ea typeface="Menlo" panose="020B0609030804020204" pitchFamily="49" charset="0"/>
+                <a:cs typeface="Menlo" panose="020B0609030804020204" pitchFamily="49" charset="0"/>
+              </a:rPr>
+              <a:t>base+x</a:t>
+            </a:r>
+            <a:endParaRPr lang="en" altLang="ja-JP" sz="1200" dirty="0">
+              <a:solidFill>
+                <a:schemeClr val="tx1"/>
+              </a:solidFill>
+              <a:latin typeface="Menlo" panose="020B0609030804020204" pitchFamily="49" charset="0"/>
+              <a:ea typeface="Menlo" panose="020B0609030804020204" pitchFamily="49" charset="0"/>
+              <a:cs typeface="Menlo" panose="020B0609030804020204" pitchFamily="49" charset="0"/>
+            </a:endParaRPr>
+          </a:p>
+          <a:p>
+            <a:r>
+              <a:rPr lang="en" altLang="ja-JP" sz="1400" dirty="0">
+                <a:solidFill>
+                  <a:schemeClr val="tx1"/>
+                </a:solidFill>
+                <a:latin typeface="Menlo" panose="020B0609030804020204" pitchFamily="49" charset="0"/>
+                <a:ea typeface="Menlo" panose="020B0609030804020204" pitchFamily="49" charset="0"/>
+                <a:cs typeface="Menlo" panose="020B0609030804020204" pitchFamily="49" charset="0"/>
+              </a:rPr>
+              <a:t>D=M</a:t>
+            </a:r>
+            <a:r>
+              <a:rPr lang="en" altLang="ja-JP" sz="1200" dirty="0">
+                <a:solidFill>
+                  <a:schemeClr val="tx1"/>
+                </a:solidFill>
+                <a:latin typeface="Menlo" panose="020B0609030804020204" pitchFamily="49" charset="0"/>
+                <a:ea typeface="Menlo" panose="020B0609030804020204" pitchFamily="49" charset="0"/>
+                <a:cs typeface="Menlo" panose="020B0609030804020204" pitchFamily="49" charset="0"/>
+              </a:rPr>
+              <a:t>   // D = RAM[</a:t>
+            </a:r>
+            <a:r>
+              <a:rPr lang="en" altLang="ja-JP" sz="1200" dirty="0" err="1">
+                <a:solidFill>
+                  <a:schemeClr val="tx1"/>
+                </a:solidFill>
+                <a:latin typeface="Menlo" panose="020B0609030804020204" pitchFamily="49" charset="0"/>
+                <a:ea typeface="Menlo" panose="020B0609030804020204" pitchFamily="49" charset="0"/>
+                <a:cs typeface="Menlo" panose="020B0609030804020204" pitchFamily="49" charset="0"/>
+              </a:rPr>
+              <a:t>base+x</a:t>
+            </a:r>
+            <a:r>
+              <a:rPr lang="en" altLang="ja-JP" sz="1200" dirty="0">
+                <a:solidFill>
+                  <a:schemeClr val="tx1"/>
+                </a:solidFill>
+                <a:latin typeface="Menlo" panose="020B0609030804020204" pitchFamily="49" charset="0"/>
+                <a:ea typeface="Menlo" panose="020B0609030804020204" pitchFamily="49" charset="0"/>
+                <a:cs typeface="Menlo" panose="020B0609030804020204" pitchFamily="49" charset="0"/>
+              </a:rPr>
+              <a:t>] </a:t>
+            </a:r>
+          </a:p>
+        </p:txBody>
+      </p:sp>
+      <p:sp>
+        <p:nvSpPr>
+          <p:cNvPr id="15" name="正方形/長方形 14">
+            <a:extLst>
+              <a:ext uri="{FF2B5EF4-FFF2-40B4-BE49-F238E27FC236}">
+                <a16:creationId xmlns:a16="http://schemas.microsoft.com/office/drawing/2014/main" id="{065427E1-6A3C-4B4F-945D-6165782D131F}"/>
+              </a:ext>
+            </a:extLst>
+          </p:cNvPr>
+          <p:cNvSpPr/>
+          <p:nvPr/>
+        </p:nvSpPr>
+        <p:spPr>
+          <a:xfrm>
+            <a:off x="2132501" y="3638022"/>
+            <a:ext cx="2052637" cy="750356"/>
+          </a:xfrm>
+          <a:prstGeom prst="rect">
+            <a:avLst/>
+          </a:prstGeom>
+          <a:solidFill>
+            <a:schemeClr val="accent2">
+              <a:lumMod val="20000"/>
+              <a:lumOff val="80000"/>
+            </a:schemeClr>
+          </a:solidFill>
+          <a:ln>
+            <a:noFill/>
+          </a:ln>
+        </p:spPr>
+        <p:style>
+          <a:lnRef idx="2">
+            <a:schemeClr val="accent1">
+              <a:shade val="50000"/>
+            </a:schemeClr>
+          </a:lnRef>
+          <a:fillRef idx="1">
+            <a:schemeClr val="accent1"/>
+          </a:fillRef>
+          <a:effectRef idx="0">
+            <a:schemeClr val="accent1"/>
+          </a:effectRef>
+          <a:fontRef idx="minor">
+            <a:schemeClr val="lt1"/>
+          </a:fontRef>
+        </p:style>
+        <p:txBody>
+          <a:bodyPr rtlCol="0" anchor="t"/>
+          <a:lstStyle/>
+          <a:p>
+            <a:r>
+              <a:rPr lang="en" altLang="ja-JP" sz="1200" dirty="0">
+                <a:solidFill>
+                  <a:schemeClr val="tx1"/>
+                </a:solidFill>
+                <a:latin typeface="Menlo" panose="020B0609030804020204" pitchFamily="49" charset="0"/>
+                <a:ea typeface="Menlo" panose="020B0609030804020204" pitchFamily="49" charset="0"/>
+                <a:cs typeface="Menlo" panose="020B0609030804020204" pitchFamily="49" charset="0"/>
+              </a:rPr>
+              <a:t>// push temp 6</a:t>
+            </a:r>
+          </a:p>
+          <a:p>
+            <a:r>
+              <a:rPr lang="en" altLang="ja-JP" sz="1400" dirty="0">
+                <a:solidFill>
+                  <a:schemeClr val="tx1"/>
+                </a:solidFill>
+                <a:latin typeface="Menlo" panose="020B0609030804020204" pitchFamily="49" charset="0"/>
+                <a:ea typeface="Menlo" panose="020B0609030804020204" pitchFamily="49" charset="0"/>
+                <a:cs typeface="Menlo" panose="020B0609030804020204" pitchFamily="49" charset="0"/>
+              </a:rPr>
+              <a:t>@11</a:t>
+            </a:r>
+            <a:r>
+              <a:rPr lang="en" altLang="ja-JP" sz="1200" dirty="0">
+                <a:solidFill>
+                  <a:schemeClr val="tx1"/>
+                </a:solidFill>
+                <a:latin typeface="Menlo" panose="020B0609030804020204" pitchFamily="49" charset="0"/>
+                <a:ea typeface="Menlo" panose="020B0609030804020204" pitchFamily="49" charset="0"/>
+                <a:cs typeface="Menlo" panose="020B0609030804020204" pitchFamily="49" charset="0"/>
+              </a:rPr>
+              <a:t>  // @(5+6) </a:t>
+            </a:r>
+          </a:p>
+          <a:p>
+            <a:r>
+              <a:rPr lang="en" altLang="ja-JP" sz="1400" dirty="0">
+                <a:solidFill>
+                  <a:schemeClr val="tx1"/>
+                </a:solidFill>
+                <a:latin typeface="Menlo" panose="020B0609030804020204" pitchFamily="49" charset="0"/>
+                <a:ea typeface="Menlo" panose="020B0609030804020204" pitchFamily="49" charset="0"/>
+                <a:cs typeface="Menlo" panose="020B0609030804020204" pitchFamily="49" charset="0"/>
+              </a:rPr>
+              <a:t>D=M</a:t>
+            </a:r>
+            <a:r>
+              <a:rPr lang="en" altLang="ja-JP" sz="1200" dirty="0">
+                <a:solidFill>
+                  <a:schemeClr val="tx1"/>
+                </a:solidFill>
+                <a:latin typeface="Menlo" panose="020B0609030804020204" pitchFamily="49" charset="0"/>
+                <a:ea typeface="Menlo" panose="020B0609030804020204" pitchFamily="49" charset="0"/>
+                <a:cs typeface="Menlo" panose="020B0609030804020204" pitchFamily="49" charset="0"/>
+              </a:rPr>
+              <a:t>  // D = RAM[11]</a:t>
+            </a:r>
+          </a:p>
+        </p:txBody>
+      </p:sp>
+      <p:sp>
+        <p:nvSpPr>
+          <p:cNvPr id="16" name="正方形/長方形 15">
+            <a:extLst>
+              <a:ext uri="{FF2B5EF4-FFF2-40B4-BE49-F238E27FC236}">
+                <a16:creationId xmlns:a16="http://schemas.microsoft.com/office/drawing/2014/main" id="{F8E54C75-153C-DF45-AE87-5FD628770F64}"/>
+              </a:ext>
+            </a:extLst>
+          </p:cNvPr>
+          <p:cNvSpPr/>
+          <p:nvPr/>
+        </p:nvSpPr>
+        <p:spPr>
+          <a:xfrm>
+            <a:off x="2132500" y="5002132"/>
+            <a:ext cx="2052637" cy="888714"/>
+          </a:xfrm>
+          <a:prstGeom prst="rect">
+            <a:avLst/>
+          </a:prstGeom>
+          <a:solidFill>
+            <a:schemeClr val="accent2">
+              <a:lumMod val="20000"/>
+              <a:lumOff val="80000"/>
+            </a:schemeClr>
+          </a:solidFill>
+          <a:ln>
+            <a:noFill/>
+          </a:ln>
+        </p:spPr>
+        <p:style>
+          <a:lnRef idx="2">
+            <a:schemeClr val="accent1">
+              <a:shade val="50000"/>
+            </a:schemeClr>
+          </a:lnRef>
+          <a:fillRef idx="1">
+            <a:schemeClr val="accent1"/>
+          </a:fillRef>
+          <a:effectRef idx="0">
+            <a:schemeClr val="accent1"/>
+          </a:effectRef>
+          <a:fontRef idx="minor">
+            <a:schemeClr val="lt1"/>
+          </a:fontRef>
+        </p:style>
+        <p:txBody>
+          <a:bodyPr rtlCol="0" anchor="t"/>
+          <a:lstStyle/>
+          <a:p>
+            <a:r>
+              <a:rPr lang="en" altLang="ja-JP" sz="1200" dirty="0">
+                <a:solidFill>
+                  <a:schemeClr val="tx1"/>
+                </a:solidFill>
+                <a:latin typeface="Menlo" panose="020B0609030804020204" pitchFamily="49" charset="0"/>
+                <a:ea typeface="Menlo" panose="020B0609030804020204" pitchFamily="49" charset="0"/>
+                <a:cs typeface="Menlo" panose="020B0609030804020204" pitchFamily="49" charset="0"/>
+              </a:rPr>
+              <a:t>// </a:t>
+            </a:r>
+            <a:r>
+              <a:rPr lang="en" altLang="ja-JP" sz="1200" dirty="0" err="1">
+                <a:solidFill>
+                  <a:schemeClr val="tx1"/>
+                </a:solidFill>
+                <a:latin typeface="Menlo" panose="020B0609030804020204" pitchFamily="49" charset="0"/>
+                <a:ea typeface="Menlo" panose="020B0609030804020204" pitchFamily="49" charset="0"/>
+                <a:cs typeface="Menlo" panose="020B0609030804020204" pitchFamily="49" charset="0"/>
+              </a:rPr>
+              <a:t>StaticTest.vm</a:t>
+            </a:r>
+            <a:endParaRPr lang="en" altLang="ja-JP" sz="1200" dirty="0">
+              <a:solidFill>
+                <a:schemeClr val="tx1"/>
+              </a:solidFill>
+              <a:latin typeface="Menlo" panose="020B0609030804020204" pitchFamily="49" charset="0"/>
+              <a:ea typeface="Menlo" panose="020B0609030804020204" pitchFamily="49" charset="0"/>
+              <a:cs typeface="Menlo" panose="020B0609030804020204" pitchFamily="49" charset="0"/>
+            </a:endParaRPr>
+          </a:p>
+          <a:p>
+            <a:r>
+              <a:rPr lang="en" altLang="ja-JP" sz="1200" dirty="0">
+                <a:solidFill>
+                  <a:schemeClr val="tx1"/>
+                </a:solidFill>
+                <a:latin typeface="Menlo" panose="020B0609030804020204" pitchFamily="49" charset="0"/>
+                <a:ea typeface="Menlo" panose="020B0609030804020204" pitchFamily="49" charset="0"/>
+                <a:cs typeface="Menlo" panose="020B0609030804020204" pitchFamily="49" charset="0"/>
+              </a:rPr>
+              <a:t>// push static 3</a:t>
+            </a:r>
+          </a:p>
+          <a:p>
+            <a:r>
+              <a:rPr lang="en" altLang="ja-JP" sz="1400" dirty="0">
+                <a:solidFill>
+                  <a:schemeClr val="tx1"/>
+                </a:solidFill>
+                <a:latin typeface="Menlo" panose="020B0609030804020204" pitchFamily="49" charset="0"/>
+                <a:ea typeface="Menlo" panose="020B0609030804020204" pitchFamily="49" charset="0"/>
+                <a:cs typeface="Menlo" panose="020B0609030804020204" pitchFamily="49" charset="0"/>
+              </a:rPr>
+              <a:t>@StaticTest.3</a:t>
+            </a:r>
+          </a:p>
+          <a:p>
+            <a:r>
+              <a:rPr lang="en" altLang="ja-JP" sz="1400" dirty="0">
+                <a:solidFill>
+                  <a:schemeClr val="tx1"/>
+                </a:solidFill>
+                <a:latin typeface="Menlo" panose="020B0609030804020204" pitchFamily="49" charset="0"/>
+                <a:ea typeface="Menlo" panose="020B0609030804020204" pitchFamily="49" charset="0"/>
+                <a:cs typeface="Menlo" panose="020B0609030804020204" pitchFamily="49" charset="0"/>
+              </a:rPr>
+              <a:t>D=M</a:t>
+            </a:r>
+          </a:p>
+        </p:txBody>
+      </p:sp>
+    </p:spTree>
+    <p:extLst>
+      <p:ext uri="{BB962C8B-B14F-4D97-AF65-F5344CB8AC3E}">
+        <p14:creationId xmlns:p14="http://schemas.microsoft.com/office/powerpoint/2010/main" val="4246517964"/>
+      </p:ext>
+    </p:extLst>
+  </p:cSld>
+  <p:clrMapOvr>
+    <a:masterClrMapping/>
+  </p:clrMapOvr>
+</p:sld>
+</file>
+
+<file path=ppt/slides/slide17.xml><?xml version="1.0" encoding="utf-8"?>
+<p:sld xmlns:a="http://schemas.openxmlformats.org/drawingml/2006/main" xmlns:r="http://schemas.openxmlformats.org/officeDocument/2006/relationships" xmlns:p="http://schemas.openxmlformats.org/presentationml/2006/main">
+  <p:cSld>
+    <p:spTree>
+      <p:nvGrpSpPr>
+        <p:cNvPr id="1" name=""/>
+        <p:cNvGrpSpPr/>
+        <p:nvPr/>
+      </p:nvGrpSpPr>
+      <p:grpSpPr>
+        <a:xfrm>
+          <a:off x="0" y="0"/>
+          <a:ext cx="0" cy="0"/>
+          <a:chOff x="0" y="0"/>
+          <a:chExt cx="0" cy="0"/>
+        </a:xfrm>
+      </p:grpSpPr>
+      <p:sp useBgFill="1">
+        <p:nvSpPr>
+          <p:cNvPr id="8" name="Rectangle 7">
+            <a:extLst>
+              <a:ext uri="{FF2B5EF4-FFF2-40B4-BE49-F238E27FC236}">
+                <a16:creationId xmlns:a16="http://schemas.microsoft.com/office/drawing/2014/main" id="{E80B86A7-A1EC-475B-9166-88902B033A38}"/>
+              </a:ext>
+              <a:ext uri="{C183D7F6-B498-43B3-948B-1728B52AA6E4}">
+                <adec:decorative xmlns:adec="http://schemas.microsoft.com/office/drawing/2017/decorative" val="1"/>
+              </a:ext>
+            </a:extLst>
+          </p:cNvPr>
+          <p:cNvSpPr>
+            <a:spLocks noGrp="1" noRot="1" noChangeAspect="1" noMove="1" noResize="1" noEditPoints="1" noAdjustHandles="1" noChangeArrowheads="1" noChangeShapeType="1" noTextEdit="1"/>
+          </p:cNvSpPr>
+          <p:nvPr>
+            <p:extLst>
+              <p:ext uri="{386F3935-93C4-4BCD-93E2-E3B085C9AB24}">
+                <p16:designElem xmlns:p16="http://schemas.microsoft.com/office/powerpoint/2015/main" val="1"/>
+              </p:ext>
+            </p:extLst>
+          </p:nvPr>
+        </p:nvSpPr>
+        <p:spPr>
+          <a:xfrm>
+            <a:off x="0" y="0"/>
+            <a:ext cx="12192000" cy="6858000"/>
+          </a:xfrm>
+          <a:prstGeom prst="rect">
+            <a:avLst/>
+          </a:prstGeom>
+          <a:ln>
+            <a:noFill/>
+          </a:ln>
+        </p:spPr>
+        <p:style>
+          <a:lnRef idx="2">
+            <a:schemeClr val="accent1">
+              <a:shade val="50000"/>
+            </a:schemeClr>
+          </a:lnRef>
+          <a:fillRef idx="1">
+            <a:schemeClr val="accent1"/>
+          </a:fillRef>
+          <a:effectRef idx="0">
+            <a:schemeClr val="accent1"/>
+          </a:effectRef>
+          <a:fontRef idx="minor">
+            <a:schemeClr val="lt1"/>
+          </a:fontRef>
+        </p:style>
+        <p:txBody>
+          <a:bodyPr rtlCol="0" anchor="ctr"/>
+          <a:lstStyle/>
+          <a:p>
+            <a:pPr algn="ctr"/>
+            <a:endParaRPr lang="en-US"/>
+          </a:p>
+        </p:txBody>
+      </p:sp>
+      <p:sp>
+        <p:nvSpPr>
+          <p:cNvPr id="2" name="タイトル 1">
+            <a:extLst>
+              <a:ext uri="{FF2B5EF4-FFF2-40B4-BE49-F238E27FC236}">
+                <a16:creationId xmlns:a16="http://schemas.microsoft.com/office/drawing/2014/main" id="{496092EC-CE2D-3646-B6F9-7A25A11A8AB1}"/>
+              </a:ext>
+            </a:extLst>
+          </p:cNvPr>
+          <p:cNvSpPr>
+            <a:spLocks noGrp="1"/>
+          </p:cNvSpPr>
+          <p:nvPr>
+            <p:ph type="title"/>
+          </p:nvPr>
+        </p:nvSpPr>
+        <p:spPr>
+          <a:xfrm>
+            <a:off x="934916" y="250171"/>
+            <a:ext cx="10483361" cy="734351"/>
+          </a:xfrm>
+        </p:spPr>
+        <p:txBody>
+          <a:bodyPr>
+            <a:normAutofit/>
+          </a:bodyPr>
+          <a:lstStyle/>
+          <a:p>
+            <a:r>
+              <a:rPr kumimoji="1" lang="ja-JP" altLang="en-US"/>
+              <a:t>終わり</a:t>
+            </a:r>
+          </a:p>
+        </p:txBody>
+      </p:sp>
+      <p:sp>
+        <p:nvSpPr>
+          <p:cNvPr id="10" name="Isosceles Triangle 9">
+            <a:extLst>
+              <a:ext uri="{FF2B5EF4-FFF2-40B4-BE49-F238E27FC236}">
+                <a16:creationId xmlns:a16="http://schemas.microsoft.com/office/drawing/2014/main" id="{C2C29CB1-9F74-4879-A6AF-AEA67B6F1F4D}"/>
+              </a:ext>
+              <a:ext uri="{C183D7F6-B498-43B3-948B-1728B52AA6E4}">
+                <adec:decorative xmlns:adec="http://schemas.microsoft.com/office/drawing/2017/decorative" val="1"/>
+              </a:ext>
+            </a:extLst>
+          </p:cNvPr>
+          <p:cNvSpPr>
+            <a:spLocks noGrp="1" noRot="1" noChangeAspect="1" noMove="1" noResize="1" noEditPoints="1" noAdjustHandles="1" noChangeArrowheads="1" noChangeShapeType="1" noTextEdit="1"/>
+          </p:cNvSpPr>
+          <p:nvPr>
+            <p:extLst>
+              <p:ext uri="{386F3935-93C4-4BCD-93E2-E3B085C9AB24}">
+                <p16:designElem xmlns:p16="http://schemas.microsoft.com/office/powerpoint/2015/main" val="1"/>
+              </p:ext>
+            </p:extLst>
+          </p:nvPr>
+        </p:nvSpPr>
+        <p:spPr>
+          <a:xfrm rot="10800000">
+            <a:off x="0" y="0"/>
+            <a:ext cx="842596" cy="5666154"/>
+          </a:xfrm>
+          <a:prstGeom prst="triangle">
+            <a:avLst>
+              <a:gd name="adj" fmla="val 100000"/>
+            </a:avLst>
+          </a:prstGeom>
+          <a:solidFill>
+            <a:schemeClr val="accent1">
+              <a:alpha val="85000"/>
+            </a:schemeClr>
+          </a:solidFill>
+          <a:ln>
+            <a:noFill/>
+          </a:ln>
+          <a:effectLst/>
+        </p:spPr>
+        <p:style>
+          <a:lnRef idx="1">
+            <a:schemeClr val="accent1"/>
+          </a:lnRef>
+          <a:fillRef idx="3">
+            <a:schemeClr val="accent1"/>
+          </a:fillRef>
+          <a:effectRef idx="2">
+            <a:schemeClr val="accent1"/>
+          </a:effectRef>
+          <a:fontRef idx="minor">
+            <a:schemeClr val="lt1"/>
+          </a:fontRef>
+        </p:style>
+      </p:sp>
+      <p:sp>
+        <p:nvSpPr>
+          <p:cNvPr id="3" name="コンテンツ プレースホルダー 2">
+            <a:extLst>
+              <a:ext uri="{FF2B5EF4-FFF2-40B4-BE49-F238E27FC236}">
+                <a16:creationId xmlns:a16="http://schemas.microsoft.com/office/drawing/2014/main" id="{895889A3-C76C-6645-ADD1-20D62CD552A8}"/>
+              </a:ext>
+            </a:extLst>
+          </p:cNvPr>
+          <p:cNvSpPr>
+            <a:spLocks noGrp="1"/>
+          </p:cNvSpPr>
+          <p:nvPr>
+            <p:ph idx="1"/>
+          </p:nvPr>
+        </p:nvSpPr>
+        <p:spPr>
+          <a:xfrm>
+            <a:off x="934916" y="1105512"/>
+            <a:ext cx="10483360" cy="5131165"/>
+          </a:xfrm>
+        </p:spPr>
+        <p:txBody>
+          <a:bodyPr>
+            <a:normAutofit/>
+          </a:bodyPr>
+          <a:lstStyle/>
+          <a:p>
+            <a:pPr lvl="1"/>
+            <a:r>
+              <a:rPr lang="ja-JP" altLang="en-US" sz="2400">
+                <a:solidFill>
+                  <a:schemeClr val="tx1"/>
+                </a:solidFill>
+              </a:rPr>
+              <a:t>お疲れさまでした。</a:t>
+            </a:r>
+            <a:endParaRPr lang="en-US" altLang="ja-JP" sz="2400" dirty="0">
+              <a:solidFill>
+                <a:schemeClr val="tx1"/>
+              </a:solidFill>
+            </a:endParaRPr>
+          </a:p>
+          <a:p>
+            <a:pPr lvl="1"/>
+            <a:r>
+              <a:rPr lang="ja-JP" altLang="en-US" sz="2400">
+                <a:solidFill>
+                  <a:schemeClr val="tx1"/>
+                </a:solidFill>
+              </a:rPr>
+              <a:t>一応実装はこちらにあります</a:t>
+            </a:r>
+            <a:endParaRPr lang="en-US" altLang="ja-JP" sz="2400" dirty="0">
+              <a:solidFill>
+                <a:schemeClr val="tx1"/>
+              </a:solidFill>
+            </a:endParaRPr>
+          </a:p>
+          <a:p>
+            <a:pPr lvl="2"/>
+            <a:r>
+              <a:rPr lang="en" altLang="ja-JP" sz="2400" dirty="0">
+                <a:hlinkClick r:id="rId2"/>
+              </a:rPr>
+              <a:t>https://github.com/lulichn/nand2tetris/tree/master/src/VMtranslator</a:t>
+            </a:r>
+            <a:endParaRPr lang="en" altLang="ja-JP" sz="2400" dirty="0"/>
+          </a:p>
+          <a:p>
+            <a:pPr lvl="2"/>
+            <a:r>
+              <a:rPr lang="ja-JP" altLang="en-US" sz="2200">
+                <a:solidFill>
+                  <a:schemeClr val="tx1"/>
+                </a:solidFill>
+              </a:rPr>
+              <a:t>汚くてすみません</a:t>
+            </a:r>
+            <a:endParaRPr lang="en-US" altLang="ja-JP" sz="2200" dirty="0">
+              <a:solidFill>
+                <a:schemeClr val="tx1"/>
+              </a:solidFill>
+            </a:endParaRPr>
+          </a:p>
+        </p:txBody>
+      </p:sp>
+      <p:sp>
+        <p:nvSpPr>
+          <p:cNvPr id="12" name="Isosceles Triangle 11">
+            <a:extLst>
+              <a:ext uri="{FF2B5EF4-FFF2-40B4-BE49-F238E27FC236}">
+                <a16:creationId xmlns:a16="http://schemas.microsoft.com/office/drawing/2014/main" id="{7E2C7115-5336-410C-AD71-0F0952A2E5A7}"/>
+              </a:ext>
+              <a:ext uri="{C183D7F6-B498-43B3-948B-1728B52AA6E4}">
+                <adec:decorative xmlns:adec="http://schemas.microsoft.com/office/drawing/2017/decorative" val="1"/>
+              </a:ext>
+            </a:extLst>
+          </p:cNvPr>
+          <p:cNvSpPr>
+            <a:spLocks noGrp="1" noRot="1" noChangeAspect="1" noMove="1" noResize="1" noEditPoints="1" noAdjustHandles="1" noChangeArrowheads="1" noChangeShapeType="1" noTextEdit="1"/>
+          </p:cNvSpPr>
+          <p:nvPr>
+            <p:extLst>
+              <p:ext uri="{386F3935-93C4-4BCD-93E2-E3B085C9AB24}">
+                <p16:designElem xmlns:p16="http://schemas.microsoft.com/office/powerpoint/2015/main" val="1"/>
+              </p:ext>
+            </p:extLst>
+          </p:nvPr>
+        </p:nvSpPr>
+        <p:spPr>
+          <a:xfrm flipH="1">
+            <a:off x="11743267" y="4013200"/>
+            <a:ext cx="448733" cy="2844800"/>
+          </a:xfrm>
+          <a:prstGeom prst="triangle">
+            <a:avLst>
+              <a:gd name="adj" fmla="val 0"/>
+            </a:avLst>
+          </a:prstGeom>
+          <a:solidFill>
+            <a:schemeClr val="accent1">
+              <a:alpha val="85000"/>
+            </a:schemeClr>
+          </a:solidFill>
+          <a:ln>
+            <a:noFill/>
+          </a:ln>
+          <a:effectLst/>
+        </p:spPr>
+        <p:style>
+          <a:lnRef idx="1">
+            <a:schemeClr val="accent1"/>
+          </a:lnRef>
+          <a:fillRef idx="3">
+            <a:schemeClr val="accent1"/>
+          </a:fillRef>
+          <a:effectRef idx="2">
+            <a:schemeClr val="accent1"/>
+          </a:effectRef>
+          <a:fontRef idx="minor">
+            <a:schemeClr val="lt1"/>
+          </a:fontRef>
+        </p:style>
+      </p:sp>
+      <p:sp>
+        <p:nvSpPr>
+          <p:cNvPr id="5" name="フッター プレースホルダー 4">
+            <a:extLst>
+              <a:ext uri="{FF2B5EF4-FFF2-40B4-BE49-F238E27FC236}">
+                <a16:creationId xmlns:a16="http://schemas.microsoft.com/office/drawing/2014/main" id="{8E4D7842-912C-BC4F-B9F2-1C85D4C499E1}"/>
+              </a:ext>
+            </a:extLst>
+          </p:cNvPr>
+          <p:cNvSpPr>
+            <a:spLocks noGrp="1"/>
+          </p:cNvSpPr>
+          <p:nvPr>
+            <p:ph type="ftr" sz="quarter" idx="11"/>
+          </p:nvPr>
+        </p:nvSpPr>
+        <p:spPr>
+          <a:xfrm>
+            <a:off x="934916" y="6339908"/>
+            <a:ext cx="6297612" cy="365125"/>
+          </a:xfrm>
+        </p:spPr>
+        <p:txBody>
+          <a:bodyPr/>
+          <a:lstStyle/>
+          <a:p>
+            <a:endParaRPr lang="en-US" dirty="0"/>
+          </a:p>
+        </p:txBody>
+      </p:sp>
+      <p:sp>
+        <p:nvSpPr>
+          <p:cNvPr id="6" name="スライド番号プレースホルダー 5">
+            <a:extLst>
+              <a:ext uri="{FF2B5EF4-FFF2-40B4-BE49-F238E27FC236}">
+                <a16:creationId xmlns:a16="http://schemas.microsoft.com/office/drawing/2014/main" id="{DAD4D62B-20DB-E349-8838-74BF5AE2CE82}"/>
+              </a:ext>
+            </a:extLst>
+          </p:cNvPr>
+          <p:cNvSpPr>
+            <a:spLocks noGrp="1"/>
+          </p:cNvSpPr>
+          <p:nvPr>
+            <p:ph type="sldNum" sz="quarter" idx="12"/>
+          </p:nvPr>
+        </p:nvSpPr>
+        <p:spPr>
+          <a:xfrm>
+            <a:off x="10708763" y="6311049"/>
+            <a:ext cx="683339" cy="365125"/>
+          </a:xfrm>
+        </p:spPr>
+        <p:txBody>
+          <a:bodyPr/>
+          <a:lstStyle/>
+          <a:p>
+            <a:fld id="{D57F1E4F-1CFF-5643-939E-217C01CDF565}" type="slidenum">
+              <a:rPr lang="en-US" smtClean="0"/>
+              <a:pPr/>
+              <a:t>17</a:t>
+            </a:fld>
+            <a:endParaRPr lang="en-US" dirty="0"/>
+          </a:p>
+        </p:txBody>
+      </p:sp>
     </p:spTree>
     <p:extLst>
       <p:ext uri="{BB962C8B-B14F-4D97-AF65-F5344CB8AC3E}">
@@ -12006,7 +12847,7 @@
 </p:sld>
 </file>
 
-<file path=ppt/slides/slide17.xml><?xml version="1.0" encoding="utf-8"?>
+<file path=ppt/slides/slide18.xml><?xml version="1.0" encoding="utf-8"?>
 <p:sld xmlns:a="http://schemas.openxmlformats.org/drawingml/2006/main" xmlns:r="http://schemas.openxmlformats.org/officeDocument/2006/relationships" xmlns:p="http://schemas.openxmlformats.org/presentationml/2006/main" show="0">
   <p:cSld>
     <p:spTree>
@@ -12327,7 +13168,7 @@
             <a:fld id="{D57F1E4F-1CFF-5643-939E-217C01CDF565}" type="slidenum">
               <a:rPr lang="en-US" smtClean="0"/>
               <a:pPr/>
-              <a:t>17</a:t>
+              <a:t>18</a:t>
             </a:fld>
             <a:endParaRPr lang="en-US" dirty="0"/>
           </a:p>
